--- a/doc/masters/esp/espArchitecture.pptx
+++ b/doc/masters/esp/espArchitecture.pptx
@@ -289,7 +289,7 @@
             <a:fld id="{94937CA8-9B62-D047-90B6-2D9EDC623E0F}" type="datetimeFigureOut">
               <a:rPr lang="en-US" smtClean="0"/>
               <a:pPr/>
-              <a:t>11/10/11</a:t>
+              <a:t>4/14/14</a:t>
             </a:fld>
             <a:endParaRPr lang="en-US"/>
           </a:p>
@@ -456,7 +456,7 @@
             <a:fld id="{94937CA8-9B62-D047-90B6-2D9EDC623E0F}" type="datetimeFigureOut">
               <a:rPr lang="en-US" smtClean="0"/>
               <a:pPr/>
-              <a:t>11/10/11</a:t>
+              <a:t>4/14/14</a:t>
             </a:fld>
             <a:endParaRPr lang="en-US"/>
           </a:p>
@@ -633,7 +633,7 @@
             <a:fld id="{94937CA8-9B62-D047-90B6-2D9EDC623E0F}" type="datetimeFigureOut">
               <a:rPr lang="en-US" smtClean="0"/>
               <a:pPr/>
-              <a:t>11/10/11</a:t>
+              <a:t>4/14/14</a:t>
             </a:fld>
             <a:endParaRPr lang="en-US"/>
           </a:p>
@@ -800,7 +800,7 @@
             <a:fld id="{94937CA8-9B62-D047-90B6-2D9EDC623E0F}" type="datetimeFigureOut">
               <a:rPr lang="en-US" smtClean="0"/>
               <a:pPr/>
-              <a:t>11/10/11</a:t>
+              <a:t>4/14/14</a:t>
             </a:fld>
             <a:endParaRPr lang="en-US"/>
           </a:p>
@@ -1043,7 +1043,7 @@
             <a:fld id="{94937CA8-9B62-D047-90B6-2D9EDC623E0F}" type="datetimeFigureOut">
               <a:rPr lang="en-US" smtClean="0"/>
               <a:pPr/>
-              <a:t>11/10/11</a:t>
+              <a:t>4/14/14</a:t>
             </a:fld>
             <a:endParaRPr lang="en-US"/>
           </a:p>
@@ -1328,7 +1328,7 @@
             <a:fld id="{94937CA8-9B62-D047-90B6-2D9EDC623E0F}" type="datetimeFigureOut">
               <a:rPr lang="en-US" smtClean="0"/>
               <a:pPr/>
-              <a:t>11/10/11</a:t>
+              <a:t>4/14/14</a:t>
             </a:fld>
             <a:endParaRPr lang="en-US"/>
           </a:p>
@@ -1747,7 +1747,7 @@
             <a:fld id="{94937CA8-9B62-D047-90B6-2D9EDC623E0F}" type="datetimeFigureOut">
               <a:rPr lang="en-US" smtClean="0"/>
               <a:pPr/>
-              <a:t>11/10/11</a:t>
+              <a:t>4/14/14</a:t>
             </a:fld>
             <a:endParaRPr lang="en-US"/>
           </a:p>
@@ -1862,7 +1862,7 @@
             <a:fld id="{94937CA8-9B62-D047-90B6-2D9EDC623E0F}" type="datetimeFigureOut">
               <a:rPr lang="en-US" smtClean="0"/>
               <a:pPr/>
-              <a:t>11/10/11</a:t>
+              <a:t>4/14/14</a:t>
             </a:fld>
             <a:endParaRPr lang="en-US"/>
           </a:p>
@@ -1954,7 +1954,7 @@
             <a:fld id="{94937CA8-9B62-D047-90B6-2D9EDC623E0F}" type="datetimeFigureOut">
               <a:rPr lang="en-US" smtClean="0"/>
               <a:pPr/>
-              <a:t>11/10/11</a:t>
+              <a:t>4/14/14</a:t>
             </a:fld>
             <a:endParaRPr lang="en-US"/>
           </a:p>
@@ -2228,7 +2228,7 @@
             <a:fld id="{94937CA8-9B62-D047-90B6-2D9EDC623E0F}" type="datetimeFigureOut">
               <a:rPr lang="en-US" smtClean="0"/>
               <a:pPr/>
-              <a:t>11/10/11</a:t>
+              <a:t>4/14/14</a:t>
             </a:fld>
             <a:endParaRPr lang="en-US"/>
           </a:p>
@@ -2478,7 +2478,7 @@
             <a:fld id="{94937CA8-9B62-D047-90B6-2D9EDC623E0F}" type="datetimeFigureOut">
               <a:rPr lang="en-US" smtClean="0"/>
               <a:pPr/>
-              <a:t>11/10/11</a:t>
+              <a:t>4/14/14</a:t>
             </a:fld>
             <a:endParaRPr lang="en-US"/>
           </a:p>
@@ -2688,7 +2688,7 @@
             <a:fld id="{94937CA8-9B62-D047-90B6-2D9EDC623E0F}" type="datetimeFigureOut">
               <a:rPr lang="en-US" smtClean="0"/>
               <a:pPr/>
-              <a:t>11/10/11</a:t>
+              <a:t>4/14/14</a:t>
             </a:fld>
             <a:endParaRPr lang="en-US"/>
           </a:p>
@@ -3067,7 +3067,7 @@
         </p:nvSpPr>
         <p:spPr>
           <a:xfrm>
-            <a:off x="1447800" y="832591"/>
+            <a:off x="1397000" y="838200"/>
             <a:ext cx="5334000" cy="3429000"/>
           </a:xfrm>
           <a:prstGeom prst="rect">
@@ -3121,7 +3121,7 @@
         </p:nvSpPr>
         <p:spPr>
           <a:xfrm>
-            <a:off x="7023100" y="1676400"/>
+            <a:off x="7245350" y="1676400"/>
             <a:ext cx="1073151" cy="609600"/>
           </a:xfrm>
           <a:prstGeom prst="can">
@@ -3244,329 +3244,13 @@
       </p:sp>
       <p:sp>
         <p:nvSpPr>
-          <p:cNvPr id="41" name="Rectangle 40"/>
-          <p:cNvSpPr/>
-          <p:nvPr/>
-        </p:nvSpPr>
-        <p:spPr>
-          <a:xfrm>
-            <a:off x="1905000" y="2590800"/>
-            <a:ext cx="4495800" cy="1447799"/>
-          </a:xfrm>
-          <a:prstGeom prst="rect">
-            <a:avLst/>
-          </a:prstGeom>
-          <a:ln w="6350" cap="flat" cmpd="sng" algn="ctr">
-            <a:solidFill>
-              <a:schemeClr val="tx1"/>
-            </a:solidFill>
-            <a:prstDash val="solid"/>
-            <a:round/>
-            <a:headEnd type="none" w="med" len="med"/>
-            <a:tailEnd type="none" w="med" len="med"/>
-          </a:ln>
-          <a:effectLst>
-            <a:glow rad="63500">
-              <a:schemeClr val="accent1">
-                <a:alpha val="75000"/>
-              </a:schemeClr>
-            </a:glow>
-          </a:effectLst>
-        </p:spPr>
-        <p:style>
-          <a:lnRef idx="1">
-            <a:schemeClr val="accent2"/>
-          </a:lnRef>
-          <a:fillRef idx="3">
-            <a:schemeClr val="accent2"/>
-          </a:fillRef>
-          <a:effectRef idx="2">
-            <a:schemeClr val="accent2"/>
-          </a:effectRef>
-          <a:fontRef idx="minor">
-            <a:schemeClr val="lt1"/>
-          </a:fontRef>
-        </p:style>
-        <p:txBody>
-          <a:bodyPr rtlCol="0" anchor="t"/>
-          <a:lstStyle/>
-          <a:p>
-            <a:pPr algn="ctr"/>
-            <a:r>
-              <a:rPr lang="en-US" sz="1200" dirty="0" smtClean="0">
-                <a:solidFill>
-                  <a:srgbClr val="17375E"/>
-                </a:solidFill>
-              </a:rPr>
-              <a:t>ESP API</a:t>
-            </a:r>
-            <a:endParaRPr lang="en-US" sz="1200" dirty="0">
-              <a:solidFill>
-                <a:srgbClr val="17375E"/>
-              </a:solidFill>
-            </a:endParaRPr>
-          </a:p>
-        </p:txBody>
-      </p:sp>
-      <p:sp>
-        <p:nvSpPr>
-          <p:cNvPr id="172" name="Rectangle 171"/>
-          <p:cNvSpPr/>
-          <p:nvPr/>
-        </p:nvSpPr>
-        <p:spPr>
-          <a:xfrm>
-            <a:off x="2286000" y="2868719"/>
-            <a:ext cx="838201" cy="266700"/>
-          </a:xfrm>
-          <a:prstGeom prst="rect">
-            <a:avLst/>
-          </a:prstGeom>
-          <a:ln>
-            <a:solidFill>
-              <a:schemeClr val="tx2">
-                <a:lumMod val="60000"/>
-                <a:lumOff val="40000"/>
-              </a:schemeClr>
-            </a:solidFill>
-          </a:ln>
-        </p:spPr>
-        <p:style>
-          <a:lnRef idx="1">
-            <a:schemeClr val="accent1"/>
-          </a:lnRef>
-          <a:fillRef idx="3">
-            <a:schemeClr val="accent1"/>
-          </a:fillRef>
-          <a:effectRef idx="2">
-            <a:schemeClr val="accent1"/>
-          </a:effectRef>
-          <a:fontRef idx="minor">
-            <a:schemeClr val="lt1"/>
-          </a:fontRef>
-        </p:style>
-        <p:txBody>
-          <a:bodyPr rtlCol="0" anchor="ctr"/>
-          <a:lstStyle/>
-          <a:p>
-            <a:pPr algn="ctr"/>
-            <a:r>
-              <a:rPr lang="en-US" sz="1100" dirty="0" smtClean="0"/>
-              <a:t>HTTP</a:t>
-            </a:r>
-            <a:endParaRPr lang="en-US" sz="1100" dirty="0"/>
-          </a:p>
-        </p:txBody>
-      </p:sp>
-      <p:sp>
-        <p:nvSpPr>
-          <p:cNvPr id="171" name="Rectangle 170"/>
-          <p:cNvSpPr/>
-          <p:nvPr/>
-        </p:nvSpPr>
-        <p:spPr>
-          <a:xfrm>
-            <a:off x="4386709" y="3581400"/>
-            <a:ext cx="838201" cy="266700"/>
-          </a:xfrm>
-          <a:prstGeom prst="rect">
-            <a:avLst/>
-          </a:prstGeom>
-          <a:ln>
-            <a:solidFill>
-              <a:schemeClr val="tx2">
-                <a:lumMod val="60000"/>
-                <a:lumOff val="40000"/>
-              </a:schemeClr>
-            </a:solidFill>
-          </a:ln>
-        </p:spPr>
-        <p:style>
-          <a:lnRef idx="1">
-            <a:schemeClr val="accent1"/>
-          </a:lnRef>
-          <a:fillRef idx="3">
-            <a:schemeClr val="accent1"/>
-          </a:fillRef>
-          <a:effectRef idx="2">
-            <a:schemeClr val="accent1"/>
-          </a:effectRef>
-          <a:fontRef idx="minor">
-            <a:schemeClr val="lt1"/>
-          </a:fontRef>
-        </p:style>
-        <p:txBody>
-          <a:bodyPr rtlCol="0" anchor="ctr"/>
-          <a:lstStyle/>
-          <a:p>
-            <a:pPr algn="ctr"/>
-            <a:r>
-              <a:rPr lang="en-US" sz="1100" dirty="0" smtClean="0"/>
-              <a:t>Database</a:t>
-            </a:r>
-            <a:endParaRPr lang="en-US" sz="1100" dirty="0"/>
-          </a:p>
-        </p:txBody>
-      </p:sp>
-      <p:sp>
-        <p:nvSpPr>
-          <p:cNvPr id="217" name="Rectangle 216"/>
-          <p:cNvSpPr/>
-          <p:nvPr/>
-        </p:nvSpPr>
-        <p:spPr>
-          <a:xfrm>
-            <a:off x="2285999" y="3581400"/>
-            <a:ext cx="838202" cy="266700"/>
-          </a:xfrm>
-          <a:prstGeom prst="rect">
-            <a:avLst/>
-          </a:prstGeom>
-          <a:ln>
-            <a:solidFill>
-              <a:schemeClr val="tx2">
-                <a:lumMod val="60000"/>
-                <a:lumOff val="40000"/>
-              </a:schemeClr>
-            </a:solidFill>
-          </a:ln>
-        </p:spPr>
-        <p:style>
-          <a:lnRef idx="1">
-            <a:schemeClr val="accent1"/>
-          </a:lnRef>
-          <a:fillRef idx="3">
-            <a:schemeClr val="accent1"/>
-          </a:fillRef>
-          <a:effectRef idx="2">
-            <a:schemeClr val="accent1"/>
-          </a:effectRef>
-          <a:fontRef idx="minor">
-            <a:schemeClr val="lt1"/>
-          </a:fontRef>
-        </p:style>
-        <p:txBody>
-          <a:bodyPr rtlCol="0" anchor="ctr"/>
-          <a:lstStyle/>
-          <a:p>
-            <a:pPr algn="ctr"/>
-            <a:r>
-              <a:rPr lang="en-US" sz="1100" dirty="0" smtClean="0"/>
-              <a:t>Request</a:t>
-            </a:r>
-            <a:endParaRPr lang="en-US" sz="1100" dirty="0"/>
-          </a:p>
-        </p:txBody>
-      </p:sp>
-      <p:sp>
-        <p:nvSpPr>
-          <p:cNvPr id="175" name="Rectangle 174"/>
-          <p:cNvSpPr/>
-          <p:nvPr/>
-        </p:nvSpPr>
-        <p:spPr>
-          <a:xfrm>
-            <a:off x="2285999" y="3225059"/>
-            <a:ext cx="838202" cy="266700"/>
-          </a:xfrm>
-          <a:prstGeom prst="rect">
-            <a:avLst/>
-          </a:prstGeom>
-          <a:ln>
-            <a:solidFill>
-              <a:schemeClr val="tx2">
-                <a:lumMod val="60000"/>
-                <a:lumOff val="40000"/>
-              </a:schemeClr>
-            </a:solidFill>
-          </a:ln>
-        </p:spPr>
-        <p:style>
-          <a:lnRef idx="1">
-            <a:schemeClr val="accent1"/>
-          </a:lnRef>
-          <a:fillRef idx="3">
-            <a:schemeClr val="accent1"/>
-          </a:fillRef>
-          <a:effectRef idx="2">
-            <a:schemeClr val="accent1"/>
-          </a:effectRef>
-          <a:fontRef idx="minor">
-            <a:schemeClr val="lt1"/>
-          </a:fontRef>
-        </p:style>
-        <p:txBody>
-          <a:bodyPr rtlCol="0" anchor="ctr"/>
-          <a:lstStyle/>
-          <a:p>
-            <a:pPr algn="ctr"/>
-            <a:r>
-              <a:rPr lang="en-US" sz="1100" dirty="0" smtClean="0"/>
-              <a:t>Host</a:t>
-            </a:r>
-            <a:endParaRPr lang="en-US" sz="1100" dirty="0"/>
-          </a:p>
-        </p:txBody>
-      </p:sp>
-      <p:sp>
-        <p:nvSpPr>
-          <p:cNvPr id="229" name="Rectangle 228"/>
-          <p:cNvSpPr/>
-          <p:nvPr/>
-        </p:nvSpPr>
-        <p:spPr>
-          <a:xfrm>
-            <a:off x="4386710" y="3237757"/>
-            <a:ext cx="838201" cy="266700"/>
-          </a:xfrm>
-          <a:prstGeom prst="rect">
-            <a:avLst/>
-          </a:prstGeom>
-          <a:ln>
-            <a:solidFill>
-              <a:schemeClr val="tx2">
-                <a:lumMod val="60000"/>
-                <a:lumOff val="40000"/>
-              </a:schemeClr>
-            </a:solidFill>
-          </a:ln>
-        </p:spPr>
-        <p:style>
-          <a:lnRef idx="1">
-            <a:schemeClr val="accent1"/>
-          </a:lnRef>
-          <a:fillRef idx="3">
-            <a:schemeClr val="accent1"/>
-          </a:fillRef>
-          <a:effectRef idx="2">
-            <a:schemeClr val="accent1"/>
-          </a:effectRef>
-          <a:fontRef idx="minor">
-            <a:schemeClr val="lt1"/>
-          </a:fontRef>
-        </p:style>
-        <p:txBody>
-          <a:bodyPr rtlCol="0" anchor="ctr"/>
-          <a:lstStyle/>
-          <a:p>
-            <a:pPr algn="ctr"/>
-            <a:r>
-              <a:rPr lang="en-US" sz="1100" dirty="0" smtClean="0"/>
-              <a:t>Sessions</a:t>
-            </a:r>
-            <a:endParaRPr lang="en-US" sz="1100" dirty="0"/>
-          </a:p>
-        </p:txBody>
-      </p:sp>
-      <p:sp>
-        <p:nvSpPr>
           <p:cNvPr id="387" name="Can 386"/>
           <p:cNvSpPr/>
           <p:nvPr/>
         </p:nvSpPr>
         <p:spPr>
           <a:xfrm>
-            <a:off x="6991350" y="977900"/>
+            <a:off x="7213600" y="977900"/>
             <a:ext cx="1066801" cy="609593"/>
           </a:xfrm>
           <a:prstGeom prst="can">
@@ -3633,126 +3317,14 @@
       </p:sp>
       <p:sp>
         <p:nvSpPr>
-          <p:cNvPr id="58" name="Rectangle 57"/>
-          <p:cNvSpPr/>
-          <p:nvPr/>
-        </p:nvSpPr>
-        <p:spPr>
-          <a:xfrm>
-            <a:off x="1905000" y="1351906"/>
-            <a:ext cx="788450" cy="865754"/>
-          </a:xfrm>
-          <a:prstGeom prst="rect">
-            <a:avLst/>
-          </a:prstGeom>
-          <a:ln/>
-        </p:spPr>
-        <p:style>
-          <a:lnRef idx="0">
-            <a:schemeClr val="accent1"/>
-          </a:lnRef>
-          <a:fillRef idx="3">
-            <a:schemeClr val="accent1"/>
-          </a:fillRef>
-          <a:effectRef idx="3">
-            <a:schemeClr val="accent1"/>
-          </a:effectRef>
-          <a:fontRef idx="minor">
-            <a:schemeClr val="lt1"/>
-          </a:fontRef>
-        </p:style>
-        <p:txBody>
-          <a:bodyPr rtlCol="0" anchor="ctr"/>
-          <a:lstStyle/>
-          <a:p>
-            <a:pPr algn="ctr"/>
-            <a:r>
-              <a:rPr lang="en-US" sz="1200" dirty="0" smtClean="0">
-                <a:solidFill>
-                  <a:srgbClr val="17375E"/>
-                </a:solidFill>
-              </a:rPr>
-              <a:t>Request</a:t>
-            </a:r>
-          </a:p>
-          <a:p>
-            <a:pPr algn="ctr"/>
-            <a:r>
-              <a:rPr lang="en-US" sz="1200" dirty="0" smtClean="0">
-                <a:solidFill>
-                  <a:srgbClr val="17375E"/>
-                </a:solidFill>
-              </a:rPr>
-              <a:t>Router</a:t>
-            </a:r>
-            <a:endParaRPr lang="en-US" sz="1200" dirty="0">
-              <a:solidFill>
-                <a:srgbClr val="17375E"/>
-              </a:solidFill>
-            </a:endParaRPr>
-          </a:p>
-        </p:txBody>
-      </p:sp>
-      <p:sp>
-        <p:nvSpPr>
-          <p:cNvPr id="116" name="Rectangle 115"/>
-          <p:cNvSpPr/>
-          <p:nvPr/>
-        </p:nvSpPr>
-        <p:spPr>
-          <a:xfrm>
-            <a:off x="4386710" y="2868719"/>
-            <a:ext cx="838201" cy="266700"/>
-          </a:xfrm>
-          <a:prstGeom prst="rect">
-            <a:avLst/>
-          </a:prstGeom>
-          <a:ln>
-            <a:solidFill>
-              <a:schemeClr val="tx2">
-                <a:lumMod val="60000"/>
-                <a:lumOff val="40000"/>
-              </a:schemeClr>
-            </a:solidFill>
-          </a:ln>
-        </p:spPr>
-        <p:style>
-          <a:lnRef idx="1">
-            <a:schemeClr val="accent1"/>
-          </a:lnRef>
-          <a:fillRef idx="3">
-            <a:schemeClr val="accent1"/>
-          </a:fillRef>
-          <a:effectRef idx="2">
-            <a:schemeClr val="accent1"/>
-          </a:effectRef>
-          <a:fontRef idx="minor">
-            <a:schemeClr val="lt1"/>
-          </a:fontRef>
-        </p:style>
-        <p:txBody>
-          <a:bodyPr rtlCol="0" anchor="ctr"/>
-          <a:lstStyle/>
-          <a:p>
-            <a:pPr algn="ctr"/>
-            <a:r>
-              <a:rPr lang="en-US" sz="1100" dirty="0" smtClean="0"/>
-              <a:t>Event</a:t>
-            </a:r>
-            <a:endParaRPr lang="en-US" sz="1100" dirty="0"/>
-          </a:p>
-        </p:txBody>
-      </p:sp>
-      <p:sp>
-        <p:nvSpPr>
           <p:cNvPr id="59" name="TextBox 58"/>
           <p:cNvSpPr txBox="1"/>
           <p:nvPr/>
         </p:nvSpPr>
         <p:spPr>
           <a:xfrm>
-            <a:off x="3663848" y="838200"/>
-            <a:ext cx="984352" cy="369332"/>
+            <a:off x="3202198" y="843809"/>
+            <a:ext cx="1598402" cy="369332"/>
           </a:xfrm>
           <a:prstGeom prst="rect">
             <a:avLst/>
@@ -3771,541 +3343,11 @@
                   <a:schemeClr val="bg1"/>
                 </a:solidFill>
               </a:rPr>
-              <a:t>Appweb</a:t>
+              <a:t>Embedthis ESP</a:t>
             </a:r>
             <a:endParaRPr lang="en-US" b="1" dirty="0">
               <a:solidFill>
                 <a:schemeClr val="bg1"/>
-              </a:solidFill>
-            </a:endParaRPr>
-          </a:p>
-        </p:txBody>
-      </p:sp>
-      <p:cxnSp>
-        <p:nvCxnSpPr>
-          <p:cNvPr id="61" name="Straight Arrow Connector 60"/>
-          <p:cNvCxnSpPr>
-            <a:stCxn id="85" idx="3"/>
-            <a:endCxn id="58" idx="1"/>
-          </p:cNvCxnSpPr>
-          <p:nvPr/>
-        </p:nvCxnSpPr>
-        <p:spPr>
-          <a:xfrm>
-            <a:off x="1143000" y="1784783"/>
-            <a:ext cx="762000" cy="0"/>
-          </a:xfrm>
-          <a:prstGeom prst="straightConnector1">
-            <a:avLst/>
-          </a:prstGeom>
-          <a:ln>
-            <a:solidFill>
-              <a:schemeClr val="tx2">
-                <a:lumMod val="75000"/>
-              </a:schemeClr>
-            </a:solidFill>
-            <a:headEnd type="arrow"/>
-            <a:tailEnd type="arrow"/>
-          </a:ln>
-        </p:spPr>
-        <p:style>
-          <a:lnRef idx="2">
-            <a:schemeClr val="accent1"/>
-          </a:lnRef>
-          <a:fillRef idx="0">
-            <a:schemeClr val="accent1"/>
-          </a:fillRef>
-          <a:effectRef idx="1">
-            <a:schemeClr val="accent1"/>
-          </a:effectRef>
-          <a:fontRef idx="minor">
-            <a:schemeClr val="tx1"/>
-          </a:fontRef>
-        </p:style>
-      </p:cxnSp>
-      <p:cxnSp>
-        <p:nvCxnSpPr>
-          <p:cNvPr id="76" name="Straight Connector 75"/>
-          <p:cNvCxnSpPr/>
-          <p:nvPr/>
-        </p:nvCxnSpPr>
-        <p:spPr>
-          <a:xfrm>
-            <a:off x="2693450" y="1784783"/>
-            <a:ext cx="3935950" cy="0"/>
-          </a:xfrm>
-          <a:prstGeom prst="line">
-            <a:avLst/>
-          </a:prstGeom>
-          <a:ln w="28575" cmpd="sng">
-            <a:solidFill>
-              <a:schemeClr val="tx2">
-                <a:lumMod val="75000"/>
-              </a:schemeClr>
-            </a:solidFill>
-          </a:ln>
-        </p:spPr>
-        <p:style>
-          <a:lnRef idx="2">
-            <a:schemeClr val="accent1"/>
-          </a:lnRef>
-          <a:fillRef idx="0">
-            <a:schemeClr val="accent1"/>
-          </a:fillRef>
-          <a:effectRef idx="1">
-            <a:schemeClr val="accent1"/>
-          </a:effectRef>
-          <a:fontRef idx="minor">
-            <a:schemeClr val="tx1"/>
-          </a:fontRef>
-        </p:style>
-      </p:cxnSp>
-      <p:cxnSp>
-        <p:nvCxnSpPr>
-          <p:cNvPr id="127" name="Straight Arrow Connector 126"/>
-          <p:cNvCxnSpPr/>
-          <p:nvPr/>
-        </p:nvCxnSpPr>
-        <p:spPr>
-          <a:xfrm flipH="1">
-            <a:off x="5486400" y="2188763"/>
-            <a:ext cx="1" cy="373140"/>
-          </a:xfrm>
-          <a:prstGeom prst="straightConnector1">
-            <a:avLst/>
-          </a:prstGeom>
-          <a:ln>
-            <a:solidFill>
-              <a:schemeClr val="tx2">
-                <a:lumMod val="75000"/>
-              </a:schemeClr>
-            </a:solidFill>
-            <a:headEnd type="arrow"/>
-            <a:tailEnd type="arrow"/>
-          </a:ln>
-        </p:spPr>
-        <p:style>
-          <a:lnRef idx="2">
-            <a:schemeClr val="accent1"/>
-          </a:lnRef>
-          <a:fillRef idx="0">
-            <a:schemeClr val="accent1"/>
-          </a:fillRef>
-          <a:effectRef idx="1">
-            <a:schemeClr val="accent1"/>
-          </a:effectRef>
-          <a:fontRef idx="minor">
-            <a:schemeClr val="tx1"/>
-          </a:fontRef>
-        </p:style>
-      </p:cxnSp>
-      <p:sp>
-        <p:nvSpPr>
-          <p:cNvPr id="138" name="Rectangle 137"/>
-          <p:cNvSpPr/>
-          <p:nvPr/>
-        </p:nvSpPr>
-        <p:spPr>
-          <a:xfrm>
-            <a:off x="3336355" y="2871471"/>
-            <a:ext cx="838201" cy="266700"/>
-          </a:xfrm>
-          <a:prstGeom prst="rect">
-            <a:avLst/>
-          </a:prstGeom>
-          <a:ln>
-            <a:solidFill>
-              <a:schemeClr val="tx2">
-                <a:lumMod val="60000"/>
-                <a:lumOff val="40000"/>
-              </a:schemeClr>
-            </a:solidFill>
-          </a:ln>
-        </p:spPr>
-        <p:style>
-          <a:lnRef idx="1">
-            <a:schemeClr val="accent1"/>
-          </a:lnRef>
-          <a:fillRef idx="3">
-            <a:schemeClr val="accent1"/>
-          </a:fillRef>
-          <a:effectRef idx="2">
-            <a:schemeClr val="accent1"/>
-          </a:effectRef>
-          <a:fontRef idx="minor">
-            <a:schemeClr val="lt1"/>
-          </a:fontRef>
-        </p:style>
-        <p:txBody>
-          <a:bodyPr rtlCol="0" anchor="ctr"/>
-          <a:lstStyle/>
-          <a:p>
-            <a:pPr algn="ctr"/>
-            <a:r>
-              <a:rPr lang="en-US" sz="1100" dirty="0" smtClean="0"/>
-              <a:t>JSON</a:t>
-            </a:r>
-            <a:endParaRPr lang="en-US" sz="1100" dirty="0"/>
-          </a:p>
-        </p:txBody>
-      </p:sp>
-      <p:sp>
-        <p:nvSpPr>
-          <p:cNvPr id="139" name="Rectangle 138"/>
-          <p:cNvSpPr/>
-          <p:nvPr/>
-        </p:nvSpPr>
-        <p:spPr>
-          <a:xfrm>
-            <a:off x="3336354" y="3584152"/>
-            <a:ext cx="838202" cy="266700"/>
-          </a:xfrm>
-          <a:prstGeom prst="rect">
-            <a:avLst/>
-          </a:prstGeom>
-          <a:ln>
-            <a:solidFill>
-              <a:schemeClr val="tx2">
-                <a:lumMod val="60000"/>
-                <a:lumOff val="40000"/>
-              </a:schemeClr>
-            </a:solidFill>
-          </a:ln>
-        </p:spPr>
-        <p:style>
-          <a:lnRef idx="1">
-            <a:schemeClr val="accent1"/>
-          </a:lnRef>
-          <a:fillRef idx="3">
-            <a:schemeClr val="accent1"/>
-          </a:fillRef>
-          <a:effectRef idx="2">
-            <a:schemeClr val="accent1"/>
-          </a:effectRef>
-          <a:fontRef idx="minor">
-            <a:schemeClr val="lt1"/>
-          </a:fontRef>
-        </p:style>
-        <p:txBody>
-          <a:bodyPr rtlCol="0" anchor="ctr"/>
-          <a:lstStyle/>
-          <a:p>
-            <a:pPr algn="ctr"/>
-            <a:r>
-              <a:rPr lang="en-US" sz="1100" dirty="0" smtClean="0"/>
-              <a:t>HTML</a:t>
-            </a:r>
-            <a:endParaRPr lang="en-US" sz="1100" dirty="0"/>
-          </a:p>
-        </p:txBody>
-      </p:sp>
-      <p:sp>
-        <p:nvSpPr>
-          <p:cNvPr id="140" name="Rectangle 139"/>
-          <p:cNvSpPr/>
-          <p:nvPr/>
-        </p:nvSpPr>
-        <p:spPr>
-          <a:xfrm>
-            <a:off x="3336354" y="3227811"/>
-            <a:ext cx="838202" cy="266700"/>
-          </a:xfrm>
-          <a:prstGeom prst="rect">
-            <a:avLst/>
-          </a:prstGeom>
-          <a:ln>
-            <a:solidFill>
-              <a:schemeClr val="tx2">
-                <a:lumMod val="60000"/>
-                <a:lumOff val="40000"/>
-              </a:schemeClr>
-            </a:solidFill>
-          </a:ln>
-        </p:spPr>
-        <p:style>
-          <a:lnRef idx="1">
-            <a:schemeClr val="accent1"/>
-          </a:lnRef>
-          <a:fillRef idx="3">
-            <a:schemeClr val="accent1"/>
-          </a:fillRef>
-          <a:effectRef idx="2">
-            <a:schemeClr val="accent1"/>
-          </a:effectRef>
-          <a:fontRef idx="minor">
-            <a:schemeClr val="lt1"/>
-          </a:fontRef>
-        </p:style>
-        <p:txBody>
-          <a:bodyPr rtlCol="0" anchor="ctr"/>
-          <a:lstStyle/>
-          <a:p>
-            <a:pPr algn="ctr"/>
-            <a:r>
-              <a:rPr lang="en-US" sz="1100" dirty="0" smtClean="0"/>
-              <a:t>XML</a:t>
-            </a:r>
-            <a:endParaRPr lang="en-US" sz="1100" dirty="0"/>
-          </a:p>
-        </p:txBody>
-      </p:sp>
-      <p:sp>
-        <p:nvSpPr>
-          <p:cNvPr id="141" name="Rectangle 140"/>
-          <p:cNvSpPr/>
-          <p:nvPr/>
-        </p:nvSpPr>
-        <p:spPr>
-          <a:xfrm>
-            <a:off x="5437064" y="3584152"/>
-            <a:ext cx="838201" cy="266700"/>
-          </a:xfrm>
-          <a:prstGeom prst="rect">
-            <a:avLst/>
-          </a:prstGeom>
-          <a:ln>
-            <a:solidFill>
-              <a:schemeClr val="tx2">
-                <a:lumMod val="60000"/>
-                <a:lumOff val="40000"/>
-              </a:schemeClr>
-            </a:solidFill>
-          </a:ln>
-        </p:spPr>
-        <p:style>
-          <a:lnRef idx="1">
-            <a:schemeClr val="accent1"/>
-          </a:lnRef>
-          <a:fillRef idx="3">
-            <a:schemeClr val="accent1"/>
-          </a:fillRef>
-          <a:effectRef idx="2">
-            <a:schemeClr val="accent1"/>
-          </a:effectRef>
-          <a:fontRef idx="minor">
-            <a:schemeClr val="lt1"/>
-          </a:fontRef>
-        </p:style>
-        <p:txBody>
-          <a:bodyPr rtlCol="0" anchor="ctr"/>
-          <a:lstStyle/>
-          <a:p>
-            <a:pPr algn="ctr"/>
-            <a:r>
-              <a:rPr lang="en-US" sz="1100" dirty="0" smtClean="0"/>
-              <a:t>Database</a:t>
-            </a:r>
-            <a:endParaRPr lang="en-US" sz="1100" dirty="0"/>
-          </a:p>
-        </p:txBody>
-      </p:sp>
-      <p:sp>
-        <p:nvSpPr>
-          <p:cNvPr id="142" name="Rectangle 141"/>
-          <p:cNvSpPr/>
-          <p:nvPr/>
-        </p:nvSpPr>
-        <p:spPr>
-          <a:xfrm>
-            <a:off x="5437064" y="3227811"/>
-            <a:ext cx="838201" cy="266700"/>
-          </a:xfrm>
-          <a:prstGeom prst="rect">
-            <a:avLst/>
-          </a:prstGeom>
-          <a:ln>
-            <a:solidFill>
-              <a:schemeClr val="tx2">
-                <a:lumMod val="60000"/>
-                <a:lumOff val="40000"/>
-              </a:schemeClr>
-            </a:solidFill>
-          </a:ln>
-        </p:spPr>
-        <p:style>
-          <a:lnRef idx="1">
-            <a:schemeClr val="accent1"/>
-          </a:lnRef>
-          <a:fillRef idx="3">
-            <a:schemeClr val="accent1"/>
-          </a:fillRef>
-          <a:effectRef idx="2">
-            <a:schemeClr val="accent1"/>
-          </a:effectRef>
-          <a:fontRef idx="minor">
-            <a:schemeClr val="lt1"/>
-          </a:fontRef>
-        </p:style>
-        <p:txBody>
-          <a:bodyPr rtlCol="0" anchor="ctr"/>
-          <a:lstStyle/>
-          <a:p>
-            <a:pPr algn="ctr"/>
-            <a:r>
-              <a:rPr lang="en-US" sz="1100" dirty="0" smtClean="0"/>
-              <a:t>Sessions</a:t>
-            </a:r>
-            <a:endParaRPr lang="en-US" sz="1100" dirty="0"/>
-          </a:p>
-        </p:txBody>
-      </p:sp>
-      <p:sp>
-        <p:nvSpPr>
-          <p:cNvPr id="143" name="Rectangle 142"/>
-          <p:cNvSpPr/>
-          <p:nvPr/>
-        </p:nvSpPr>
-        <p:spPr>
-          <a:xfrm>
-            <a:off x="5437064" y="2871471"/>
-            <a:ext cx="838201" cy="266700"/>
-          </a:xfrm>
-          <a:prstGeom prst="rect">
-            <a:avLst/>
-          </a:prstGeom>
-          <a:ln>
-            <a:solidFill>
-              <a:schemeClr val="tx2">
-                <a:lumMod val="60000"/>
-                <a:lumOff val="40000"/>
-              </a:schemeClr>
-            </a:solidFill>
-          </a:ln>
-        </p:spPr>
-        <p:style>
-          <a:lnRef idx="1">
-            <a:schemeClr val="accent1"/>
-          </a:lnRef>
-          <a:fillRef idx="3">
-            <a:schemeClr val="accent1"/>
-          </a:fillRef>
-          <a:effectRef idx="2">
-            <a:schemeClr val="accent1"/>
-          </a:effectRef>
-          <a:fontRef idx="minor">
-            <a:schemeClr val="lt1"/>
-          </a:fontRef>
-        </p:style>
-        <p:txBody>
-          <a:bodyPr rtlCol="0" anchor="ctr"/>
-          <a:lstStyle/>
-          <a:p>
-            <a:pPr algn="ctr"/>
-            <a:r>
-              <a:rPr lang="en-US" sz="1100" dirty="0" smtClean="0"/>
-              <a:t>Event</a:t>
-            </a:r>
-            <a:endParaRPr lang="en-US" sz="1100" dirty="0"/>
-          </a:p>
-        </p:txBody>
-      </p:sp>
-      <p:sp>
-        <p:nvSpPr>
-          <p:cNvPr id="107" name="Rectangle 106"/>
-          <p:cNvSpPr/>
-          <p:nvPr/>
-        </p:nvSpPr>
-        <p:spPr>
-          <a:xfrm>
-            <a:off x="2831838" y="1351906"/>
-            <a:ext cx="788450" cy="865754"/>
-          </a:xfrm>
-          <a:prstGeom prst="rect">
-            <a:avLst/>
-          </a:prstGeom>
-          <a:ln/>
-        </p:spPr>
-        <p:style>
-          <a:lnRef idx="0">
-            <a:schemeClr val="accent2"/>
-          </a:lnRef>
-          <a:fillRef idx="3">
-            <a:schemeClr val="accent2"/>
-          </a:fillRef>
-          <a:effectRef idx="3">
-            <a:schemeClr val="accent2"/>
-          </a:effectRef>
-          <a:fontRef idx="minor">
-            <a:schemeClr val="lt1"/>
-          </a:fontRef>
-        </p:style>
-        <p:txBody>
-          <a:bodyPr rtlCol="0" anchor="ctr"/>
-          <a:lstStyle/>
-          <a:p>
-            <a:pPr algn="ctr"/>
-            <a:r>
-              <a:rPr lang="en-US" sz="1200" dirty="0" smtClean="0">
-                <a:solidFill>
-                  <a:srgbClr val="17375E"/>
-                </a:solidFill>
-              </a:rPr>
-              <a:t>Caching</a:t>
-            </a:r>
-          </a:p>
-        </p:txBody>
-      </p:sp>
-      <p:sp>
-        <p:nvSpPr>
-          <p:cNvPr id="108" name="Rectangle 107"/>
-          <p:cNvSpPr/>
-          <p:nvPr/>
-        </p:nvSpPr>
-        <p:spPr>
-          <a:xfrm>
-            <a:off x="3758676" y="1351906"/>
-            <a:ext cx="788450" cy="865754"/>
-          </a:xfrm>
-          <a:prstGeom prst="rect">
-            <a:avLst/>
-          </a:prstGeom>
-          <a:ln/>
-        </p:spPr>
-        <p:style>
-          <a:lnRef idx="0">
-            <a:schemeClr val="accent4"/>
-          </a:lnRef>
-          <a:fillRef idx="3">
-            <a:schemeClr val="accent4"/>
-          </a:fillRef>
-          <a:effectRef idx="3">
-            <a:schemeClr val="accent4"/>
-          </a:effectRef>
-          <a:fontRef idx="minor">
-            <a:schemeClr val="lt1"/>
-          </a:fontRef>
-        </p:style>
-        <p:txBody>
-          <a:bodyPr rtlCol="0" anchor="ctr"/>
-          <a:lstStyle/>
-          <a:p>
-            <a:pPr algn="ctr"/>
-            <a:r>
-              <a:rPr lang="en-US" sz="1200" dirty="0" smtClean="0">
-                <a:solidFill>
-                  <a:srgbClr val="17375E"/>
-                </a:solidFill>
-              </a:rPr>
-              <a:t>ESP</a:t>
-            </a:r>
-            <a:br>
-              <a:rPr lang="en-US" sz="1200" dirty="0" smtClean="0">
-                <a:solidFill>
-                  <a:srgbClr val="17375E"/>
-                </a:solidFill>
-              </a:rPr>
-            </a:br>
-            <a:r>
-              <a:rPr lang="en-US" sz="1200" dirty="0" smtClean="0">
-                <a:solidFill>
-                  <a:srgbClr val="17375E"/>
-                </a:solidFill>
-              </a:rPr>
-              <a:t>Handler</a:t>
-            </a:r>
-            <a:endParaRPr lang="en-US" sz="1200" dirty="0">
-              <a:solidFill>
-                <a:srgbClr val="17375E"/>
               </a:solidFill>
             </a:endParaRPr>
           </a:p>
@@ -4322,7 +3364,7 @@
         </p:nvCxnSpPr>
         <p:spPr>
           <a:xfrm flipV="1">
-            <a:off x="7550151" y="2286000"/>
+            <a:off x="7772401" y="2286000"/>
             <a:ext cx="9525" cy="1524001"/>
           </a:xfrm>
           <a:prstGeom prst="line">
@@ -4359,7 +3401,7 @@
         </p:nvSpPr>
         <p:spPr>
           <a:xfrm>
-            <a:off x="7010400" y="3048000"/>
+            <a:off x="7232650" y="3048000"/>
             <a:ext cx="1066801" cy="640601"/>
           </a:xfrm>
           <a:prstGeom prst="can">
@@ -4425,7 +3467,7 @@
         </p:nvSpPr>
         <p:spPr>
           <a:xfrm>
-            <a:off x="7016750" y="3810001"/>
+            <a:off x="7239000" y="3810001"/>
             <a:ext cx="1066801" cy="451590"/>
           </a:xfrm>
           <a:prstGeom prst="rect">
@@ -4480,7 +3522,7 @@
         </p:nvSpPr>
         <p:spPr>
           <a:xfrm>
-            <a:off x="7016749" y="2438400"/>
+            <a:off x="7238999" y="2438400"/>
             <a:ext cx="1060451" cy="484754"/>
           </a:xfrm>
           <a:prstGeom prst="rect">
@@ -4549,17 +3591,20 @@
       <p:cxnSp>
         <p:nvCxnSpPr>
           <p:cNvPr id="90" name="Elbow Connector 89"/>
-          <p:cNvCxnSpPr/>
+          <p:cNvCxnSpPr>
+            <a:stCxn id="109" idx="3"/>
+            <a:endCxn id="6" idx="2"/>
+          </p:cNvCxnSpPr>
           <p:nvPr/>
         </p:nvCxnSpPr>
         <p:spPr>
-          <a:xfrm>
-            <a:off x="6400800" y="1784783"/>
-            <a:ext cx="609600" cy="196417"/>
+          <a:xfrm flipV="1">
+            <a:off x="6502400" y="1981200"/>
+            <a:ext cx="742950" cy="767609"/>
           </a:xfrm>
           <a:prstGeom prst="bentConnector3">
             <a:avLst>
-              <a:gd name="adj1" fmla="val 40278"/>
+              <a:gd name="adj1" fmla="val 50000"/>
             </a:avLst>
           </a:prstGeom>
           <a:ln w="28575" cmpd="sng">
@@ -4596,8 +3641,8 @@
         </p:nvSpPr>
         <p:spPr>
           <a:xfrm>
-            <a:off x="4685514" y="1351906"/>
-            <a:ext cx="1791486" cy="836857"/>
+            <a:off x="1854200" y="1453409"/>
+            <a:ext cx="4648200" cy="2590800"/>
           </a:xfrm>
           <a:prstGeom prst="rect">
             <a:avLst/>
@@ -4639,8 +3684,8 @@
         </p:nvSpPr>
         <p:spPr>
           <a:xfrm>
-            <a:off x="4792586" y="1763119"/>
-            <a:ext cx="644478" cy="283763"/>
+            <a:off x="3490310" y="1806079"/>
+            <a:ext cx="1018078" cy="580703"/>
           </a:xfrm>
           <a:prstGeom prst="rect">
             <a:avLst/>
@@ -4667,14 +3712,29 @@
           <a:p>
             <a:pPr algn="ctr"/>
             <a:r>
-              <a:rPr lang="en-US" sz="1200" dirty="0" smtClean="0">
+              <a:rPr lang="en-US" sz="1600" dirty="0" smtClean="0">
                 <a:solidFill>
                   <a:srgbClr val="17375E"/>
                 </a:solidFill>
               </a:rPr>
               <a:t>Views</a:t>
             </a:r>
-            <a:endParaRPr lang="en-US" sz="1200" dirty="0">
+            <a:br>
+              <a:rPr lang="en-US" sz="1600" dirty="0" smtClean="0">
+                <a:solidFill>
+                  <a:srgbClr val="17375E"/>
+                </a:solidFill>
+              </a:rPr>
+            </a:br>
+            <a:r>
+              <a:rPr lang="en-US" sz="1600" smtClean="0">
+                <a:solidFill>
+                  <a:srgbClr val="17375E"/>
+                </a:solidFill>
+              </a:rPr>
+              <a:t>(Pages)</a:t>
+            </a:r>
+            <a:endParaRPr lang="en-US" sz="1600" dirty="0">
               <a:solidFill>
                 <a:srgbClr val="17375E"/>
               </a:solidFill>
@@ -4690,8 +3750,8 @@
         </p:nvSpPr>
         <p:spPr>
           <a:xfrm>
-            <a:off x="5536150" y="1763119"/>
-            <a:ext cx="864650" cy="283763"/>
+            <a:off x="4876565" y="1806079"/>
+            <a:ext cx="1365882" cy="580703"/>
           </a:xfrm>
           <a:prstGeom prst="rect">
             <a:avLst/>
@@ -4718,12 +3778,176 @@
           <a:p>
             <a:pPr algn="ctr"/>
             <a:r>
+              <a:rPr lang="en-US" sz="1600" dirty="0" smtClean="0">
+                <a:solidFill>
+                  <a:srgbClr val="17375E"/>
+                </a:solidFill>
+              </a:rPr>
+              <a:t>Controllers</a:t>
+            </a:r>
+            <a:endParaRPr lang="en-US" sz="1600" dirty="0">
+              <a:solidFill>
+                <a:srgbClr val="17375E"/>
+              </a:solidFill>
+            </a:endParaRPr>
+          </a:p>
+        </p:txBody>
+      </p:sp>
+      <p:sp>
+        <p:nvSpPr>
+          <p:cNvPr id="35" name="Rectangle 34"/>
+          <p:cNvSpPr/>
+          <p:nvPr/>
+        </p:nvSpPr>
+        <p:spPr>
+          <a:xfrm>
+            <a:off x="2104054" y="1806079"/>
+            <a:ext cx="1018078" cy="580703"/>
+          </a:xfrm>
+          <a:prstGeom prst="rect">
+            <a:avLst/>
+          </a:prstGeom>
+          <a:ln/>
+        </p:spPr>
+        <p:style>
+          <a:lnRef idx="0">
+            <a:schemeClr val="accent6"/>
+          </a:lnRef>
+          <a:fillRef idx="3">
+            <a:schemeClr val="accent6"/>
+          </a:fillRef>
+          <a:effectRef idx="3">
+            <a:schemeClr val="accent6"/>
+          </a:effectRef>
+          <a:fontRef idx="minor">
+            <a:schemeClr val="lt1"/>
+          </a:fontRef>
+        </p:style>
+        <p:txBody>
+          <a:bodyPr rtlCol="0" anchor="ctr"/>
+          <a:lstStyle/>
+          <a:p>
+            <a:pPr algn="ctr"/>
+            <a:r>
+              <a:rPr lang="en-US" sz="1600" dirty="0" smtClean="0">
+                <a:solidFill>
+                  <a:srgbClr val="17375E"/>
+                </a:solidFill>
+              </a:rPr>
+              <a:t>Models</a:t>
+            </a:r>
+            <a:endParaRPr lang="en-US" sz="1600" dirty="0">
+              <a:solidFill>
+                <a:srgbClr val="17375E"/>
+              </a:solidFill>
+            </a:endParaRPr>
+          </a:p>
+        </p:txBody>
+      </p:sp>
+      <p:sp>
+        <p:nvSpPr>
+          <p:cNvPr id="42" name="Rectangle 41"/>
+          <p:cNvSpPr/>
+          <p:nvPr/>
+        </p:nvSpPr>
+        <p:spPr>
+          <a:xfrm>
+            <a:off x="2115713" y="2841166"/>
+            <a:ext cx="4126734" cy="868230"/>
+          </a:xfrm>
+          <a:prstGeom prst="rect">
+            <a:avLst/>
+          </a:prstGeom>
+          <a:ln/>
+        </p:spPr>
+        <p:style>
+          <a:lnRef idx="0">
+            <a:schemeClr val="accent4"/>
+          </a:lnRef>
+          <a:fillRef idx="3">
+            <a:schemeClr val="accent4"/>
+          </a:fillRef>
+          <a:effectRef idx="3">
+            <a:schemeClr val="accent4"/>
+          </a:effectRef>
+          <a:fontRef idx="minor">
+            <a:schemeClr val="lt1"/>
+          </a:fontRef>
+        </p:style>
+        <p:txBody>
+          <a:bodyPr rtlCol="0" anchor="ctr"/>
+          <a:lstStyle/>
+          <a:p>
+            <a:pPr algn="ctr"/>
+            <a:r>
+              <a:rPr lang="en-US" sz="1600" dirty="0" smtClean="0">
+                <a:solidFill>
+                  <a:srgbClr val="17375E"/>
+                </a:solidFill>
+              </a:rPr>
+              <a:t>HTTP Engine</a:t>
+            </a:r>
+            <a:endParaRPr lang="en-US" sz="1600" dirty="0" smtClean="0">
+              <a:solidFill>
+                <a:srgbClr val="17375E"/>
+              </a:solidFill>
+            </a:endParaRPr>
+          </a:p>
+        </p:txBody>
+      </p:sp>
+      <p:sp>
+        <p:nvSpPr>
+          <p:cNvPr id="58" name="Rectangle 57"/>
+          <p:cNvSpPr/>
+          <p:nvPr/>
+        </p:nvSpPr>
+        <p:spPr>
+          <a:xfrm>
+            <a:off x="2259920" y="2985099"/>
+            <a:ext cx="1066801" cy="564401"/>
+          </a:xfrm>
+          <a:prstGeom prst="rect">
+            <a:avLst/>
+          </a:prstGeom>
+          <a:ln/>
+        </p:spPr>
+        <p:style>
+          <a:lnRef idx="0">
+            <a:schemeClr val="accent1"/>
+          </a:lnRef>
+          <a:fillRef idx="3">
+            <a:schemeClr val="accent1"/>
+          </a:fillRef>
+          <a:effectRef idx="3">
+            <a:schemeClr val="accent1"/>
+          </a:effectRef>
+          <a:fontRef idx="minor">
+            <a:schemeClr val="lt1"/>
+          </a:fontRef>
+        </p:style>
+        <p:txBody>
+          <a:bodyPr rtlCol="0" anchor="ctr"/>
+          <a:lstStyle/>
+          <a:p>
+            <a:pPr algn="ctr"/>
+            <a:r>
               <a:rPr lang="en-US" sz="1200" dirty="0" smtClean="0">
                 <a:solidFill>
                   <a:srgbClr val="17375E"/>
                 </a:solidFill>
               </a:rPr>
-              <a:t>Controllers</a:t>
+              <a:t>Request</a:t>
+            </a:r>
+          </a:p>
+          <a:p>
+            <a:pPr algn="ctr"/>
+            <a:r>
+              <a:rPr lang="en-US" sz="1200" dirty="0" smtClean="0">
+                <a:solidFill>
+                  <a:srgbClr val="17375E"/>
+                </a:solidFill>
+              </a:rPr>
+              <a:t>Router</a:t>
             </a:r>
             <a:endParaRPr lang="en-US" sz="1200" dirty="0">
               <a:solidFill>
@@ -4733,33 +3957,94 @@
           </a:p>
         </p:txBody>
       </p:sp>
-      <p:sp>
-        <p:nvSpPr>
-          <p:cNvPr id="95" name="TextBox 94"/>
-          <p:cNvSpPr txBox="1"/>
+      <p:cxnSp>
+        <p:nvCxnSpPr>
+          <p:cNvPr id="48" name="Elbow Connector 47"/>
+          <p:cNvCxnSpPr>
+            <a:stCxn id="85" idx="3"/>
+            <a:endCxn id="58" idx="1"/>
+          </p:cNvCxnSpPr>
           <p:nvPr/>
-        </p:nvSpPr>
+        </p:nvCxnSpPr>
         <p:spPr>
           <a:xfrm>
-            <a:off x="5181600" y="1447800"/>
-            <a:ext cx="745742" cy="276999"/>
+            <a:off x="1143000" y="1784783"/>
+            <a:ext cx="1116920" cy="1482517"/>
+          </a:xfrm>
+          <a:prstGeom prst="bentConnector3">
+            <a:avLst>
+              <a:gd name="adj1" fmla="val 50000"/>
+            </a:avLst>
+          </a:prstGeom>
+          <a:ln w="28575" cmpd="sng">
+            <a:solidFill>
+              <a:schemeClr val="tx2">
+                <a:lumMod val="75000"/>
+              </a:schemeClr>
+            </a:solidFill>
+            <a:headEnd type="none"/>
+            <a:tailEnd type="arrow"/>
+          </a:ln>
+          <a:effectLst/>
+        </p:spPr>
+        <p:style>
+          <a:lnRef idx="2">
+            <a:schemeClr val="accent1"/>
+          </a:lnRef>
+          <a:fillRef idx="0">
+            <a:schemeClr val="accent1"/>
+          </a:fillRef>
+          <a:effectRef idx="1">
+            <a:schemeClr val="accent1"/>
+          </a:effectRef>
+          <a:fontRef idx="minor">
+            <a:schemeClr val="tx1"/>
+          </a:fontRef>
+        </p:style>
+      </p:cxnSp>
+      <p:sp>
+        <p:nvSpPr>
+          <p:cNvPr id="107" name="Rectangle 106"/>
+          <p:cNvSpPr/>
+          <p:nvPr/>
+        </p:nvSpPr>
+        <p:spPr>
+          <a:xfrm>
+            <a:off x="5346444" y="2985099"/>
+            <a:ext cx="788450" cy="564402"/>
           </a:xfrm>
           <a:prstGeom prst="rect">
             <a:avLst/>
           </a:prstGeom>
-          <a:noFill/>
+          <a:ln/>
         </p:spPr>
-        <p:txBody>
-          <a:bodyPr wrap="none" rtlCol="0">
-            <a:spAutoFit/>
-          </a:bodyPr>
-          <a:lstStyle/>
-          <a:p>
-            <a:r>
-              <a:rPr lang="en-US" sz="1200" dirty="0" smtClean="0"/>
-              <a:t>ESP MVC</a:t>
-            </a:r>
-            <a:endParaRPr lang="en-US" sz="1200" dirty="0"/>
+        <p:style>
+          <a:lnRef idx="0">
+            <a:schemeClr val="accent2"/>
+          </a:lnRef>
+          <a:fillRef idx="3">
+            <a:schemeClr val="accent2"/>
+          </a:fillRef>
+          <a:effectRef idx="3">
+            <a:schemeClr val="accent2"/>
+          </a:effectRef>
+          <a:fontRef idx="minor">
+            <a:schemeClr val="lt1"/>
+          </a:fontRef>
+        </p:style>
+        <p:txBody>
+          <a:bodyPr rtlCol="0" anchor="ctr"/>
+          <a:lstStyle/>
+          <a:p>
+            <a:pPr algn="ctr"/>
+            <a:r>
+              <a:rPr lang="en-US" sz="1200" dirty="0" smtClean="0">
+                <a:solidFill>
+                  <a:srgbClr val="17375E"/>
+                </a:solidFill>
+              </a:rPr>
+              <a:t>Caching</a:t>
+            </a:r>
           </a:p>
         </p:txBody>
       </p:sp>
